--- a/Ettekanne/Esitlus_Infosüsteemi_põhiolemite_seisundite_esitamine_SQL-Andmebaasides_Susanna_Peek.pptx
+++ b/Ettekanne/Esitlus_Infosüsteemi_põhiolemite_seisundite_esitamine_SQL-Andmebaasides_Susanna_Peek.pptx
@@ -1674,7 +1674,7 @@
           <a:p>
             <a:fld id="{FF37233B-0833-EF40-A4A4-4DDA2CCDF12B}" type="datetimeFigureOut">
               <a:rPr lang="en-US" smtClean="0"/>
-              <a:t>6/3/2019</a:t>
+              <a:t>6/6/2019</a:t>
             </a:fld>
             <a:endParaRPr lang="en-US"/>
           </a:p>
@@ -1867,7 +1867,7 @@
               <a:pPr>
                 <a:defRPr/>
               </a:pPr>
-              <a:t>6/3/2019</a:t>
+              <a:t>6/6/2019</a:t>
             </a:fld>
             <a:endParaRPr lang="en-US"/>
           </a:p>
@@ -10754,15 +10754,7 @@
                   <a:srgbClr val="332B60"/>
                 </a:solidFill>
               </a:rPr>
-              <a:t>    </a:t>
-            </a:r>
-            <a:r>
-              <a:rPr lang="et-EE" sz="3600" dirty="0" smtClean="0">
-                <a:solidFill>
-                  <a:srgbClr val="332B60"/>
-                </a:solidFill>
-              </a:rPr>
-              <a:t>SQL-ANDMEBAASIDES</a:t>
+              <a:t>    SQL-ANDMEBAASIDES</a:t>
             </a:r>
             <a:endParaRPr lang="et-EE" sz="3600" dirty="0">
               <a:solidFill>
@@ -10825,15 +10817,7 @@
             </a:br>
             <a:r>
               <a:rPr lang="et-EE" sz="1800" dirty="0" smtClean="0"/>
-              <a:t>Juhendaja: </a:t>
-            </a:r>
-            <a:r>
-              <a:rPr lang="et-EE" sz="1800" dirty="0" smtClean="0"/>
-              <a:t>Erki </a:t>
-            </a:r>
-            <a:r>
-              <a:rPr lang="et-EE" sz="1800" dirty="0" smtClean="0"/>
-              <a:t>Eessaar</a:t>
+              <a:t>Juhendaja: Erki Eessaar</a:t>
             </a:r>
             <a:endParaRPr lang="et-EE" sz="1800" dirty="0">
               <a:solidFill>
@@ -10974,7 +10958,7 @@
         </p:nvSpPr>
         <p:spPr>
           <a:xfrm>
-            <a:off x="2171700" y="1190887"/>
+            <a:off x="2171699" y="1136316"/>
             <a:ext cx="8802242" cy="4140200"/>
           </a:xfrm>
         </p:spPr>
@@ -10983,41 +10967,29 @@
           <a:lstStyle/>
           <a:p>
             <a:pPr marL="0" indent="0">
-              <a:spcAft>
-                <a:spcPts val="600"/>
-              </a:spcAft>
+              <a:lnSpc>
+                <a:spcPct val="110000"/>
+              </a:lnSpc>
               <a:buNone/>
             </a:pPr>
             <a:r>
               <a:rPr lang="et-EE" sz="2000" dirty="0" smtClean="0"/>
-              <a:t>Viisin </a:t>
+              <a:t>Viisin läbi </a:t>
+            </a:r>
+            <a:r>
+              <a:rPr lang="et-EE" sz="2000" b="1" dirty="0" smtClean="0"/>
+              <a:t>järgnevad mõõtmised</a:t>
             </a:r>
             <a:r>
               <a:rPr lang="et-EE" sz="2000" dirty="0" smtClean="0"/>
-              <a:t>läbi </a:t>
-            </a:r>
-            <a:r>
-              <a:rPr lang="et-EE" sz="2000" b="1" dirty="0" smtClean="0"/>
-              <a:t>järgnevad </a:t>
-            </a:r>
-            <a:r>
-              <a:rPr lang="et-EE" sz="2000" b="1" dirty="0" smtClean="0"/>
-              <a:t>mõõtmised</a:t>
-            </a:r>
-            <a:r>
-              <a:rPr lang="et-EE" sz="2000" dirty="0" smtClean="0"/>
-              <a:t> </a:t>
-            </a:r>
-            <a:r>
-              <a:rPr lang="et-EE" sz="2000" dirty="0" smtClean="0"/>
-              <a:t>võrdlemaks lahenduste headust.</a:t>
+              <a:t> võrdlemaks lahenduste headust.</a:t>
             </a:r>
           </a:p>
           <a:p>
             <a:pPr>
-              <a:spcAft>
-                <a:spcPts val="600"/>
-              </a:spcAft>
+              <a:lnSpc>
+                <a:spcPct val="110000"/>
+              </a:lnSpc>
             </a:pPr>
             <a:r>
               <a:rPr lang="et-EE" sz="2000" dirty="0" smtClean="0"/>
@@ -11026,9 +10998,9 @@
           </a:p>
           <a:p>
             <a:pPr>
-              <a:spcAft>
-                <a:spcPts val="600"/>
-              </a:spcAft>
+              <a:lnSpc>
+                <a:spcPct val="110000"/>
+              </a:lnSpc>
             </a:pPr>
             <a:r>
               <a:rPr lang="et-EE" sz="2000" dirty="0" smtClean="0"/>
@@ -11037,9 +11009,9 @@
           </a:p>
           <a:p>
             <a:pPr>
-              <a:spcAft>
-                <a:spcPts val="600"/>
-              </a:spcAft>
+              <a:lnSpc>
+                <a:spcPct val="110000"/>
+              </a:lnSpc>
             </a:pPr>
             <a:r>
               <a:rPr lang="et-EE" sz="2000" dirty="0" smtClean="0"/>
@@ -11048,9 +11020,9 @@
           </a:p>
           <a:p>
             <a:pPr>
-              <a:spcAft>
-                <a:spcPts val="600"/>
-              </a:spcAft>
+              <a:lnSpc>
+                <a:spcPct val="110000"/>
+              </a:lnSpc>
             </a:pPr>
             <a:r>
               <a:rPr lang="et-EE" sz="2000" dirty="0" smtClean="0"/>
@@ -11059,9 +11031,9 @@
           </a:p>
           <a:p>
             <a:pPr>
-              <a:spcAft>
-                <a:spcPts val="600"/>
-              </a:spcAft>
+              <a:lnSpc>
+                <a:spcPct val="110000"/>
+              </a:lnSpc>
             </a:pPr>
             <a:r>
               <a:rPr lang="et-EE" sz="2000" dirty="0" smtClean="0"/>
@@ -11070,15 +11042,14 @@
           </a:p>
           <a:p>
             <a:pPr>
-              <a:spcAft>
-                <a:spcPts val="600"/>
-              </a:spcAft>
+              <a:lnSpc>
+                <a:spcPct val="110000"/>
+              </a:lnSpc>
             </a:pPr>
             <a:r>
               <a:rPr lang="et-EE" sz="2000" dirty="0" smtClean="0"/>
               <a:t>Erinevate disainide realiseerimiseks vajalike andmebaasikeele lausete keeruks.</a:t>
             </a:r>
-            <a:endParaRPr lang="et-EE" sz="2000" dirty="0" smtClean="0"/>
           </a:p>
           <a:p>
             <a:pPr marL="0" indent="0">
@@ -11216,9 +11187,9 @@
           <a:lstStyle/>
           <a:p>
             <a:pPr marL="0" indent="0">
-              <a:spcAft>
-                <a:spcPts val="600"/>
-              </a:spcAft>
+              <a:lnSpc>
+                <a:spcPct val="120000"/>
+              </a:lnSpc>
               <a:buNone/>
             </a:pPr>
             <a:r>
@@ -11232,9 +11203,9 @@
           </a:p>
           <a:p>
             <a:pPr>
-              <a:spcAft>
-                <a:spcPts val="600"/>
-              </a:spcAft>
+              <a:lnSpc>
+                <a:spcPct val="120000"/>
+              </a:lnSpc>
             </a:pPr>
             <a:r>
               <a:rPr lang="et-EE" sz="2000" dirty="0"/>
@@ -11243,9 +11214,9 @@
           </a:p>
           <a:p>
             <a:pPr>
-              <a:spcAft>
-                <a:spcPts val="600"/>
-              </a:spcAft>
+              <a:lnSpc>
+                <a:spcPct val="120000"/>
+              </a:lnSpc>
             </a:pPr>
             <a:r>
               <a:rPr lang="et-EE" sz="2000" dirty="0"/>
@@ -11254,9 +11225,9 @@
           </a:p>
           <a:p>
             <a:pPr>
-              <a:spcAft>
-                <a:spcPts val="600"/>
-              </a:spcAft>
+              <a:lnSpc>
+                <a:spcPct val="120000"/>
+              </a:lnSpc>
             </a:pPr>
             <a:r>
               <a:rPr lang="et-EE" sz="2000" dirty="0"/>
@@ -11269,20 +11240,17 @@
           </a:p>
           <a:p>
             <a:pPr>
-              <a:spcAft>
-                <a:spcPts val="600"/>
-              </a:spcAft>
+              <a:lnSpc>
+                <a:spcPct val="120000"/>
+              </a:lnSpc>
             </a:pPr>
             <a:endParaRPr lang="et-EE" sz="2000" dirty="0"/>
           </a:p>
           <a:p>
             <a:pPr marL="0" indent="0">
               <a:lnSpc>
-                <a:spcPct val="100000"/>
-              </a:lnSpc>
-              <a:spcAft>
-                <a:spcPts val="600"/>
-              </a:spcAft>
+                <a:spcPct val="120000"/>
+              </a:lnSpc>
               <a:buNone/>
             </a:pPr>
             <a:r>
@@ -11419,7 +11387,7 @@
         </p:nvSpPr>
         <p:spPr>
           <a:xfrm>
-            <a:off x="2171700" y="1083105"/>
+            <a:off x="2171700" y="1117611"/>
             <a:ext cx="4351731" cy="4627582"/>
           </a:xfrm>
         </p:spPr>
@@ -11428,9 +11396,9 @@
           <a:lstStyle/>
           <a:p>
             <a:pPr marL="0" indent="0">
-              <a:spcAft>
-                <a:spcPts val="600"/>
-              </a:spcAft>
+              <a:lnSpc>
+                <a:spcPct val="110000"/>
+              </a:lnSpc>
               <a:buNone/>
             </a:pPr>
             <a:r>
@@ -11440,39 +11408,31 @@
           </a:p>
           <a:p>
             <a:pPr>
-              <a:spcAft>
-                <a:spcPts val="600"/>
-              </a:spcAft>
+              <a:lnSpc>
+                <a:spcPct val="110000"/>
+              </a:lnSpc>
             </a:pPr>
             <a:r>
               <a:rPr lang="et-EE" dirty="0" smtClean="0"/>
-              <a:t>väikesed </a:t>
-            </a:r>
+              <a:t>väikesed andmemahud,</a:t>
+            </a:r>
+          </a:p>
+          <a:p>
+            <a:pPr>
+              <a:lnSpc>
+                <a:spcPct val="110000"/>
+              </a:lnSpc>
+            </a:pPr>
             <a:r>
               <a:rPr lang="et-EE" dirty="0" smtClean="0"/>
-              <a:t>andmemahud,</a:t>
+              <a:t>uue seisundi lisamise või olemasoleva eemaldamise lihtsus,</a:t>
             </a:r>
           </a:p>
           <a:p>
             <a:pPr>
-              <a:spcAft>
-                <a:spcPts val="600"/>
-              </a:spcAft>
-            </a:pPr>
-            <a:r>
-              <a:rPr lang="et-EE" dirty="0" smtClean="0"/>
-              <a:t>uue seisundi lisamise või olemasoleva eemaldamise lihtsus</a:t>
-            </a:r>
-            <a:r>
-              <a:rPr lang="et-EE" dirty="0" smtClean="0"/>
-              <a:t>,</a:t>
-            </a:r>
-          </a:p>
-          <a:p>
-            <a:pPr>
-              <a:spcAft>
-                <a:spcPts val="600"/>
-              </a:spcAft>
+              <a:lnSpc>
+                <a:spcPct val="110000"/>
+              </a:lnSpc>
             </a:pPr>
             <a:r>
               <a:rPr lang="et-EE" dirty="0"/>
@@ -11480,63 +11440,59 @@
             </a:r>
             <a:r>
               <a:rPr lang="et-EE" dirty="0" smtClean="0"/>
-              <a:t>oondandmete otsimise päringu täitmiskiirus ja </a:t>
-            </a:r>
+              <a:t>oondandmete otsimise päringu täitmiskiirus ja lihtsus.</a:t>
+            </a:r>
+          </a:p>
+          <a:p>
+            <a:pPr marL="0" indent="0">
+              <a:lnSpc>
+                <a:spcPct val="110000"/>
+              </a:lnSpc>
+              <a:buNone/>
+            </a:pPr>
+            <a:r>
+              <a:rPr lang="et-EE" b="1" dirty="0" smtClean="0"/>
+              <a:t>Puudused:</a:t>
+            </a:r>
+          </a:p>
+          <a:p>
+            <a:pPr>
+              <a:lnSpc>
+                <a:spcPct val="110000"/>
+              </a:lnSpc>
+            </a:pPr>
             <a:r>
               <a:rPr lang="et-EE" dirty="0" smtClean="0"/>
-              <a:t>lihtsus.</a:t>
-            </a:r>
-          </a:p>
-          <a:p>
-            <a:pPr marL="0" indent="0">
-              <a:spcAft>
-                <a:spcPts val="600"/>
-              </a:spcAft>
-              <a:buNone/>
-            </a:pPr>
-            <a:r>
-              <a:rPr lang="et-EE" b="1" dirty="0" smtClean="0"/>
-              <a:t>Puudused</a:t>
-            </a:r>
-            <a:r>
-              <a:rPr lang="et-EE" b="1" dirty="0" smtClean="0"/>
-              <a:t>:</a:t>
+              <a:t>päringute aeglus, </a:t>
+            </a:r>
+            <a:r>
+              <a:rPr lang="et-EE" dirty="0" smtClean="0"/>
+              <a:t>kui tuleb leida </a:t>
+            </a:r>
+            <a:r>
+              <a:rPr lang="et-EE" dirty="0" smtClean="0"/>
+              <a:t>kõikide olemite hetkeseisund, </a:t>
+            </a:r>
+            <a:r>
+              <a:rPr lang="et-EE" dirty="0" smtClean="0"/>
+              <a:t>mis pole ühes kindlas </a:t>
+            </a:r>
+            <a:r>
+              <a:rPr lang="et-EE" dirty="0" smtClean="0"/>
+              <a:t>seisundis,</a:t>
             </a:r>
           </a:p>
           <a:p>
             <a:pPr>
-              <a:spcAft>
-                <a:spcPts val="600"/>
-              </a:spcAft>
+              <a:lnSpc>
+                <a:spcPct val="110000"/>
+              </a:lnSpc>
             </a:pPr>
             <a:r>
               <a:rPr lang="et-EE" dirty="0" smtClean="0"/>
-              <a:t>aeglased päringud, kui tuleb leida kõik olemid, mis pole ühes kindlas seisundis ja tagastada nende hetkeseisundi nimetus,</a:t>
+              <a:t>klassifikaatoritele vastavad välisvõtmete väärtused ei pruugi olla arusaadavad.</a:t>
             </a:r>
             <a:endParaRPr lang="et-EE" dirty="0" smtClean="0"/>
-          </a:p>
-          <a:p>
-            <a:pPr>
-              <a:spcAft>
-                <a:spcPts val="600"/>
-              </a:spcAft>
-            </a:pPr>
-            <a:r>
-              <a:rPr lang="et-EE" dirty="0"/>
-              <a:t>k</a:t>
-            </a:r>
-            <a:r>
-              <a:rPr lang="et-EE" dirty="0" smtClean="0"/>
-              <a:t>lassifikaatoritele vastavad </a:t>
-            </a:r>
-            <a:r>
-              <a:rPr lang="et-EE" dirty="0" smtClean="0"/>
-              <a:t>välisvõtmete väärtused </a:t>
-            </a:r>
-            <a:r>
-              <a:rPr lang="et-EE" dirty="0" smtClean="0"/>
-              <a:t>ei pruugi olla arusaadavad.</a:t>
-            </a:r>
           </a:p>
         </p:txBody>
       </p:sp>
@@ -11676,7 +11632,7 @@
         </p:nvSpPr>
         <p:spPr>
           <a:xfrm>
-            <a:off x="2171700" y="1089026"/>
+            <a:off x="2171700" y="1129825"/>
             <a:ext cx="4351731" cy="4140199"/>
           </a:xfrm>
         </p:spPr>
@@ -11685,9 +11641,9 @@
           <a:lstStyle/>
           <a:p>
             <a:pPr marL="0" indent="0">
-              <a:spcAft>
-                <a:spcPts val="600"/>
-              </a:spcAft>
+              <a:lnSpc>
+                <a:spcPct val="110000"/>
+              </a:lnSpc>
               <a:buNone/>
             </a:pPr>
             <a:r>
@@ -11697,9 +11653,9 @@
           </a:p>
           <a:p>
             <a:pPr>
-              <a:spcAft>
-                <a:spcPts val="600"/>
-              </a:spcAft>
+              <a:lnSpc>
+                <a:spcPct val="110000"/>
+              </a:lnSpc>
             </a:pPr>
             <a:r>
               <a:rPr lang="et-EE" dirty="0"/>
@@ -11712,9 +11668,9 @@
           </a:p>
           <a:p>
             <a:pPr>
-              <a:spcAft>
-                <a:spcPts val="600"/>
-              </a:spcAft>
+              <a:lnSpc>
+                <a:spcPct val="110000"/>
+              </a:lnSpc>
             </a:pPr>
             <a:r>
               <a:rPr lang="et-EE" dirty="0" smtClean="0"/>
@@ -11723,9 +11679,9 @@
           </a:p>
           <a:p>
             <a:pPr>
-              <a:spcAft>
-                <a:spcPts val="600"/>
-              </a:spcAft>
+              <a:lnSpc>
+                <a:spcPct val="110000"/>
+              </a:lnSpc>
             </a:pPr>
             <a:r>
               <a:rPr lang="et-EE" dirty="0"/>
@@ -11738,9 +11694,9 @@
           </a:p>
           <a:p>
             <a:pPr marL="0" indent="0">
-              <a:spcAft>
-                <a:spcPts val="600"/>
-              </a:spcAft>
+              <a:lnSpc>
+                <a:spcPct val="110000"/>
+              </a:lnSpc>
               <a:buNone/>
             </a:pPr>
             <a:r>
@@ -11750,9 +11706,9 @@
           </a:p>
           <a:p>
             <a:pPr>
-              <a:spcAft>
-                <a:spcPts val="600"/>
-              </a:spcAft>
+              <a:lnSpc>
+                <a:spcPct val="110000"/>
+              </a:lnSpc>
             </a:pPr>
             <a:r>
               <a:rPr lang="et-EE" dirty="0"/>
@@ -11765,9 +11721,9 @@
           </a:p>
           <a:p>
             <a:pPr>
-              <a:spcAft>
-                <a:spcPts val="600"/>
-              </a:spcAft>
+              <a:lnSpc>
+                <a:spcPct val="110000"/>
+              </a:lnSpc>
             </a:pPr>
             <a:r>
               <a:rPr lang="et-EE" dirty="0"/>
@@ -11780,9 +11736,9 @@
           </a:p>
           <a:p>
             <a:pPr>
-              <a:spcAft>
-                <a:spcPts val="600"/>
-              </a:spcAft>
+              <a:lnSpc>
+                <a:spcPct val="110000"/>
+              </a:lnSpc>
             </a:pPr>
             <a:r>
               <a:rPr lang="et-EE" dirty="0" smtClean="0"/>
@@ -11991,15 +11947,7 @@
             </a:r>
             <a:r>
               <a:rPr lang="et-EE" dirty="0" smtClean="0"/>
-              <a:t>akub </a:t>
-            </a:r>
-            <a:r>
-              <a:rPr lang="et-EE" dirty="0" smtClean="0"/>
-              <a:t>lisainfot</a:t>
-            </a:r>
-            <a:r>
-              <a:rPr lang="et-EE" dirty="0" smtClean="0"/>
-              <a:t>.</a:t>
+              <a:t>akub lisainfot.</a:t>
             </a:r>
           </a:p>
           <a:p>
@@ -12179,11 +12127,7 @@
           <a:p>
             <a:r>
               <a:rPr lang="et-EE" dirty="0" smtClean="0"/>
-              <a:t>Eksperimendi </a:t>
-            </a:r>
-            <a:r>
-              <a:rPr lang="et-EE" dirty="0" smtClean="0"/>
-              <a:t>JÄRELDUSED 1/2</a:t>
+              <a:t>Eksperimendi JÄRELDUSED 1/2</a:t>
             </a:r>
             <a:endParaRPr lang="et-EE" dirty="0"/>
           </a:p>
@@ -12235,8 +12179,11 @@
           <a:lstStyle/>
           <a:p>
             <a:pPr>
+              <a:lnSpc>
+                <a:spcPct val="110000"/>
+              </a:lnSpc>
               <a:spcAft>
-                <a:spcPts val="600"/>
+                <a:spcPts val="0"/>
               </a:spcAft>
             </a:pPr>
             <a:r>
@@ -12367,15 +12314,7 @@
           <a:p>
             <a:r>
               <a:rPr lang="et-EE" dirty="0" smtClean="0"/>
-              <a:t>EKSPERIMENDI </a:t>
-            </a:r>
-            <a:r>
-              <a:rPr lang="et-EE" dirty="0" smtClean="0"/>
-              <a:t>JÄRELDUSED </a:t>
-            </a:r>
-            <a:r>
-              <a:rPr lang="et-EE" dirty="0" smtClean="0"/>
-              <a:t>2/2</a:t>
+              <a:t>EKSPERIMENDI JÄRELDUSED 2/2</a:t>
             </a:r>
             <a:endParaRPr lang="et-EE" dirty="0"/>
           </a:p>
@@ -12740,7 +12679,7 @@
         </p:nvSpPr>
         <p:spPr>
           <a:xfrm>
-            <a:off x="2171699" y="4406900"/>
+            <a:off x="2203615" y="4294683"/>
             <a:ext cx="8802242" cy="1436115"/>
           </a:xfrm>
           <a:prstGeom prst="rect">
@@ -12956,6 +12895,9 @@
           </a:lstStyle>
           <a:p>
             <a:pPr>
+              <a:lnSpc>
+                <a:spcPct val="110000"/>
+              </a:lnSpc>
               <a:spcAft>
                 <a:spcPts val="600"/>
               </a:spcAft>
@@ -12968,21 +12910,19 @@
               <a:rPr lang="et-EE" sz="2000" dirty="0" smtClean="0"/>
               <a:t>.</a:t>
             </a:r>
-            <a:endParaRPr lang="et-EE" sz="2000" dirty="0" smtClean="0"/>
           </a:p>
           <a:p>
             <a:pPr>
+              <a:lnSpc>
+                <a:spcPct val="110000"/>
+              </a:lnSpc>
               <a:spcAft>
                 <a:spcPts val="600"/>
               </a:spcAft>
             </a:pPr>
             <a:r>
               <a:rPr lang="et-EE" sz="2000" dirty="0" smtClean="0"/>
-              <a:t>Kataloogis </a:t>
-            </a:r>
-            <a:r>
-              <a:rPr lang="et-EE" sz="2000" dirty="0" smtClean="0"/>
-              <a:t>esitatud disainidel on piisavalt positiivseid külgi, et neid võiks kutsuda </a:t>
+              <a:t>Kataloogis esitatud disainidel on piisavalt positiivseid külgi, et neid võiks kutsuda </a:t>
             </a:r>
             <a:r>
               <a:rPr lang="et-EE" sz="2000" b="1" dirty="0" smtClean="0"/>
@@ -13152,20 +13092,18 @@
           <a:lstStyle/>
           <a:p>
             <a:pPr marL="0" indent="0">
+              <a:lnSpc>
+                <a:spcPct val="120000"/>
+              </a:lnSpc>
               <a:buNone/>
             </a:pPr>
-            <a:endParaRPr lang="et-EE" sz="2200" b="1" dirty="0" smtClean="0"/>
-          </a:p>
-          <a:p>
-            <a:pPr marL="0" indent="0">
-              <a:spcAft>
-                <a:spcPts val="600"/>
-              </a:spcAft>
-              <a:buNone/>
-            </a:pPr>
             <a:r>
               <a:rPr lang="et-EE" sz="2000" b="1" dirty="0" smtClean="0"/>
-              <a:t>Töö eesmärk: </a:t>
+              <a:t>Töö </a:t>
+            </a:r>
+            <a:r>
+              <a:rPr lang="et-EE" sz="2000" b="1" dirty="0" smtClean="0"/>
+              <a:t>eesmärk: </a:t>
             </a:r>
             <a:r>
               <a:rPr lang="et-EE" sz="2000" dirty="0" smtClean="0"/>
@@ -13190,27 +13128,23 @@
           </a:p>
           <a:p>
             <a:pPr marL="0" indent="0">
-              <a:spcAft>
-                <a:spcPts val="600"/>
-              </a:spcAft>
+              <a:lnSpc>
+                <a:spcPct val="120000"/>
+              </a:lnSpc>
               <a:buNone/>
             </a:pPr>
             <a:endParaRPr lang="et-EE" sz="2000" dirty="0"/>
           </a:p>
           <a:p>
             <a:pPr marL="0" indent="0">
-              <a:spcAft>
-                <a:spcPts val="600"/>
-              </a:spcAft>
+              <a:lnSpc>
+                <a:spcPct val="120000"/>
+              </a:lnSpc>
               <a:buNone/>
             </a:pPr>
             <a:r>
               <a:rPr lang="et-EE" sz="2000" b="1" dirty="0" smtClean="0"/>
-              <a:t>Töö </a:t>
-            </a:r>
-            <a:r>
-              <a:rPr lang="et-EE" sz="2000" b="1" dirty="0" smtClean="0"/>
-              <a:t>tulemina </a:t>
+              <a:t>Töö tulemina </a:t>
             </a:r>
             <a:r>
               <a:rPr lang="et-EE" sz="2000" dirty="0" smtClean="0"/>
@@ -13370,7 +13304,7 @@
         </p:nvSpPr>
         <p:spPr>
           <a:xfrm>
-            <a:off x="2171699" y="1500439"/>
+            <a:off x="2171699" y="1293405"/>
             <a:ext cx="8802242" cy="4140200"/>
           </a:xfrm>
         </p:spPr>
@@ -13379,9 +13313,9 @@
           <a:lstStyle/>
           <a:p>
             <a:pPr marL="0" indent="0">
-              <a:spcAft>
-                <a:spcPts val="600"/>
-              </a:spcAft>
+              <a:lnSpc>
+                <a:spcPct val="120000"/>
+              </a:lnSpc>
               <a:buNone/>
             </a:pPr>
             <a:r>
@@ -13391,9 +13325,9 @@
           </a:p>
           <a:p>
             <a:pPr>
-              <a:spcAft>
-                <a:spcPts val="600"/>
-              </a:spcAft>
+              <a:lnSpc>
+                <a:spcPct val="120000"/>
+              </a:lnSpc>
             </a:pPr>
             <a:r>
               <a:rPr lang="et-EE" sz="2000" dirty="0"/>
@@ -13407,9 +13341,9 @@
           </a:p>
           <a:p>
             <a:pPr>
-              <a:spcAft>
-                <a:spcPts val="600"/>
-              </a:spcAft>
+              <a:lnSpc>
+                <a:spcPct val="120000"/>
+              </a:lnSpc>
             </a:pPr>
             <a:r>
               <a:rPr lang="et-EE" sz="2000" dirty="0" smtClean="0"/>
@@ -13426,9 +13360,9 @@
           </a:p>
           <a:p>
             <a:pPr>
-              <a:spcAft>
-                <a:spcPts val="600"/>
-              </a:spcAft>
+              <a:lnSpc>
+                <a:spcPct val="120000"/>
+              </a:lnSpc>
             </a:pPr>
             <a:r>
               <a:rPr lang="et-EE" sz="2000" dirty="0" smtClean="0"/>
@@ -13437,9 +13371,9 @@
           </a:p>
           <a:p>
             <a:pPr>
-              <a:spcAft>
-                <a:spcPts val="600"/>
-              </a:spcAft>
+              <a:lnSpc>
+                <a:spcPct val="120000"/>
+              </a:lnSpc>
             </a:pPr>
             <a:r>
               <a:rPr lang="et-EE" sz="2000" dirty="0" smtClean="0"/>
@@ -13684,7 +13618,7 @@
         </p:nvSpPr>
         <p:spPr>
           <a:xfrm>
-            <a:off x="2037347" y="1310105"/>
+            <a:off x="2037347" y="1172083"/>
             <a:ext cx="8936595" cy="4458871"/>
           </a:xfrm>
         </p:spPr>
@@ -13693,9 +13627,9 @@
           <a:lstStyle/>
           <a:p>
             <a:pPr>
-              <a:spcAft>
-                <a:spcPts val="600"/>
-              </a:spcAft>
+              <a:lnSpc>
+                <a:spcPct val="120000"/>
+              </a:lnSpc>
             </a:pPr>
             <a:r>
               <a:rPr lang="et-EE" altLang="en-US" sz="2000" dirty="0" smtClean="0"/>
@@ -13704,21 +13638,20 @@
           </a:p>
           <a:p>
             <a:pPr>
-              <a:spcAft>
-                <a:spcPts val="600"/>
-              </a:spcAft>
+              <a:lnSpc>
+                <a:spcPct val="120000"/>
+              </a:lnSpc>
             </a:pPr>
             <a:r>
               <a:rPr lang="et-EE" altLang="en-US" sz="2000" dirty="0" smtClean="0"/>
               <a:t>Metoodika</a:t>
             </a:r>
-            <a:endParaRPr lang="et-EE" altLang="en-US" sz="2000" dirty="0" smtClean="0"/>
           </a:p>
           <a:p>
             <a:pPr>
-              <a:spcAft>
-                <a:spcPts val="600"/>
-              </a:spcAft>
+              <a:lnSpc>
+                <a:spcPct val="120000"/>
+              </a:lnSpc>
             </a:pPr>
             <a:r>
               <a:rPr lang="et-EE" altLang="en-US" sz="2000" dirty="0" smtClean="0"/>
@@ -13727,24 +13660,20 @@
           </a:p>
           <a:p>
             <a:pPr>
-              <a:spcAft>
-                <a:spcPts val="600"/>
-              </a:spcAft>
+              <a:lnSpc>
+                <a:spcPct val="120000"/>
+              </a:lnSpc>
             </a:pPr>
             <a:r>
               <a:rPr lang="et-EE" altLang="en-US" sz="2000" dirty="0" smtClean="0"/>
-              <a:t>Varasemad </a:t>
-            </a:r>
-            <a:r>
-              <a:rPr lang="et-EE" altLang="en-US" sz="2000" dirty="0" smtClean="0"/>
-              <a:t>uuringud</a:t>
+              <a:t>Varasemad uuringud</a:t>
             </a:r>
           </a:p>
           <a:p>
             <a:pPr>
-              <a:spcAft>
-                <a:spcPts val="600"/>
-              </a:spcAft>
+              <a:lnSpc>
+                <a:spcPct val="120000"/>
+              </a:lnSpc>
             </a:pPr>
             <a:r>
               <a:rPr lang="et-EE" altLang="en-US" sz="2000" dirty="0" smtClean="0"/>
@@ -13753,9 +13682,9 @@
           </a:p>
           <a:p>
             <a:pPr>
-              <a:spcAft>
-                <a:spcPts val="600"/>
-              </a:spcAft>
+              <a:lnSpc>
+                <a:spcPct val="120000"/>
+              </a:lnSpc>
             </a:pPr>
             <a:r>
               <a:rPr lang="et-EE" altLang="en-US" sz="2000" dirty="0" smtClean="0"/>
@@ -13764,9 +13693,9 @@
           </a:p>
           <a:p>
             <a:pPr>
-              <a:spcAft>
-                <a:spcPts val="600"/>
-              </a:spcAft>
+              <a:lnSpc>
+                <a:spcPct val="120000"/>
+              </a:lnSpc>
             </a:pPr>
             <a:r>
               <a:rPr lang="et-EE" altLang="en-US" sz="2000" dirty="0" smtClean="0"/>
@@ -13790,43 +13719,29 @@
             </a:r>
             <a:r>
               <a:rPr lang="et-EE" altLang="en-US" sz="2000" i="1" dirty="0" smtClean="0"/>
-              <a:t>Seisundite </a:t>
-            </a:r>
-            <a:r>
-              <a:rPr lang="et-EE" altLang="en-US" sz="2000" i="1" dirty="0" smtClean="0"/>
-              <a:t>tuletamine olemite ja seoste kohta</a:t>
+              <a:t>Seisundite tuletamine olemite ja seoste kohta</a:t>
             </a:r>
             <a:r>
               <a:rPr lang="et-EE" altLang="en-US" sz="2000" dirty="0" smtClean="0"/>
-              <a:t> </a:t>
-            </a:r>
+              <a:t> tutvustus</a:t>
+            </a:r>
+          </a:p>
+          <a:p>
+            <a:pPr>
+              <a:lnSpc>
+                <a:spcPct val="120000"/>
+              </a:lnSpc>
+            </a:pPr>
             <a:r>
               <a:rPr lang="et-EE" altLang="en-US" sz="2000" dirty="0" smtClean="0"/>
-              <a:t>tutvustus</a:t>
-            </a:r>
-            <a:endParaRPr lang="et-EE" altLang="en-US" sz="2000" dirty="0" smtClean="0"/>
+              <a:t>Eksperimendi järeldused</a:t>
+            </a:r>
           </a:p>
           <a:p>
             <a:pPr>
-              <a:spcAft>
-                <a:spcPts val="600"/>
-              </a:spcAft>
-            </a:pPr>
-            <a:r>
-              <a:rPr lang="et-EE" altLang="en-US" sz="2000" dirty="0" smtClean="0"/>
-              <a:t>Eksperimendi </a:t>
-            </a:r>
-            <a:r>
-              <a:rPr lang="et-EE" altLang="en-US" sz="2000" dirty="0" smtClean="0"/>
-              <a:t>järeldused</a:t>
-            </a:r>
-            <a:endParaRPr lang="et-EE" altLang="en-US" sz="2000" dirty="0" smtClean="0"/>
-          </a:p>
-          <a:p>
-            <a:pPr>
-              <a:spcAft>
-                <a:spcPts val="600"/>
-              </a:spcAft>
+              <a:lnSpc>
+                <a:spcPct val="120000"/>
+              </a:lnSpc>
             </a:pPr>
             <a:r>
               <a:rPr lang="et-EE" altLang="en-US" sz="2000" dirty="0" smtClean="0"/>
@@ -13952,9 +13867,9 @@
           <a:lstStyle/>
           <a:p>
             <a:pPr marL="0" indent="0">
-              <a:spcAft>
-                <a:spcPts val="600"/>
-              </a:spcAft>
+              <a:lnSpc>
+                <a:spcPct val="120000"/>
+              </a:lnSpc>
               <a:buNone/>
             </a:pPr>
             <a:r>
@@ -13989,47 +13904,48 @@
           </a:p>
           <a:p>
             <a:pPr marL="0" indent="0">
+              <a:lnSpc>
+                <a:spcPct val="120000"/>
+              </a:lnSpc>
+              <a:buNone/>
+            </a:pPr>
+            <a:endParaRPr lang="et-EE" sz="2000" dirty="0" smtClean="0"/>
+          </a:p>
+          <a:p>
+            <a:pPr lvl="1">
+              <a:lnSpc>
+                <a:spcPct val="120000"/>
+              </a:lnSpc>
               <a:spcAft>
-                <a:spcPts val="600"/>
+                <a:spcPts val="0"/>
               </a:spcAft>
-              <a:buNone/>
-            </a:pPr>
-            <a:endParaRPr lang="et-EE" sz="2000" dirty="0" smtClean="0"/>
+            </a:pPr>
+            <a:r>
+              <a:rPr lang="et-EE" sz="2000" dirty="0" smtClean="0"/>
+              <a:t>Töö paremaks mõistmiseks tuleks eelnevalt tutvuda töös kasutatava mustri kirjelduse struktuuriga.</a:t>
+            </a:r>
           </a:p>
           <a:p>
             <a:pPr lvl="1">
+              <a:lnSpc>
+                <a:spcPct val="120000"/>
+              </a:lnSpc>
               <a:spcAft>
-                <a:spcPts val="600"/>
+                <a:spcPts val="0"/>
               </a:spcAft>
             </a:pPr>
             <a:r>
               <a:rPr lang="et-EE" sz="2000" dirty="0" smtClean="0"/>
-              <a:t>Töö </a:t>
-            </a:r>
-            <a:r>
-              <a:rPr lang="et-EE" sz="2000" dirty="0" smtClean="0"/>
-              <a:t>paremaks mõistmiseks tuleks eelnevalt tutvuda töös kasutatava mustri kirjelduse struktuuriga.</a:t>
+              <a:t>Eksperimendi järelduste (jaotis 7) põhjal täiendasin disainide kataloogi ning lisasin viited sellele.</a:t>
             </a:r>
           </a:p>
           <a:p>
             <a:pPr lvl="1">
+              <a:lnSpc>
+                <a:spcPct val="120000"/>
+              </a:lnSpc>
               <a:spcAft>
-                <a:spcPts val="600"/>
-              </a:spcAft>
-            </a:pPr>
-            <a:r>
-              <a:rPr lang="et-EE" sz="2000" dirty="0" smtClean="0"/>
-              <a:t>Eksperimendi järelduste (jaotis 7) põhjal täiendasin disainide kataloogi ning lisasin viited sellele</a:t>
-            </a:r>
-            <a:r>
-              <a:rPr lang="et-EE" sz="2000" dirty="0" smtClean="0"/>
-              <a:t>.</a:t>
-            </a:r>
-          </a:p>
-          <a:p>
-            <a:pPr lvl="1">
-              <a:spcAft>
-                <a:spcPts val="600"/>
+                <a:spcPts val="0"/>
               </a:spcAft>
             </a:pPr>
             <a:r>
@@ -14040,7 +13956,6 @@
               <a:rPr lang="et-EE" sz="2000" dirty="0" smtClean="0"/>
               <a:t>selle struktuurist.</a:t>
             </a:r>
-            <a:endParaRPr lang="et-EE" sz="2000" dirty="0" smtClean="0"/>
           </a:p>
           <a:p>
             <a:pPr marL="457200" lvl="1" indent="0">
@@ -14126,9 +14041,9 @@
           <a:lstStyle/>
           <a:p>
             <a:pPr marL="0" indent="0">
-              <a:spcAft>
-                <a:spcPts val="600"/>
-              </a:spcAft>
+              <a:lnSpc>
+                <a:spcPct val="110000"/>
+              </a:lnSpc>
               <a:buNone/>
             </a:pPr>
             <a:r>
@@ -14146,18 +14061,18 @@
           </a:p>
           <a:p>
             <a:pPr marL="0" indent="0">
-              <a:spcAft>
-                <a:spcPts val="600"/>
-              </a:spcAft>
+              <a:lnSpc>
+                <a:spcPct val="110000"/>
+              </a:lnSpc>
               <a:buNone/>
             </a:pPr>
             <a:endParaRPr lang="et-EE" sz="2000" dirty="0"/>
           </a:p>
           <a:p>
             <a:pPr>
-              <a:spcAft>
-                <a:spcPts val="600"/>
-              </a:spcAft>
+              <a:lnSpc>
+                <a:spcPct val="110000"/>
+              </a:lnSpc>
             </a:pPr>
             <a:r>
               <a:rPr lang="et-EE" sz="2000" dirty="0" smtClean="0"/>
@@ -14166,9 +14081,9 @@
           </a:p>
           <a:p>
             <a:pPr>
-              <a:spcAft>
-                <a:spcPts val="600"/>
-              </a:spcAft>
+              <a:lnSpc>
+                <a:spcPct val="110000"/>
+              </a:lnSpc>
             </a:pPr>
             <a:r>
               <a:rPr lang="et-EE" sz="2000" dirty="0" smtClean="0"/>
@@ -14254,9 +14169,9 @@
           <a:lstStyle/>
           <a:p>
             <a:pPr marL="0" indent="0">
-              <a:spcAft>
-                <a:spcPts val="600"/>
-              </a:spcAft>
+              <a:lnSpc>
+                <a:spcPct val="110000"/>
+              </a:lnSpc>
               <a:buNone/>
             </a:pPr>
             <a:r>
@@ -14370,9 +14285,9 @@
           <a:lstStyle/>
           <a:p>
             <a:pPr marL="0" indent="0">
-              <a:spcAft>
-                <a:spcPts val="600"/>
-              </a:spcAft>
+              <a:lnSpc>
+                <a:spcPct val="120000"/>
+              </a:lnSpc>
               <a:buNone/>
             </a:pPr>
             <a:r>
@@ -14423,13 +14338,13 @@
           <p:nvPr>
             <p:extLst>
               <p:ext uri="{D42A27DB-BD31-4B8C-83A1-F6EECF244321}">
-                <p14:modId xmlns:p14="http://schemas.microsoft.com/office/powerpoint/2010/main" val="2758611164"/>
+                <p14:modId xmlns:p14="http://schemas.microsoft.com/office/powerpoint/2010/main" val="757410427"/>
               </p:ext>
             </p:extLst>
           </p:nvPr>
         </p:nvGraphicFramePr>
         <p:xfrm>
-          <a:off x="1035172" y="2197515"/>
+          <a:off x="1035172" y="2275153"/>
           <a:ext cx="10662247" cy="2725948"/>
         </p:xfrm>
         <a:graphic>
@@ -15315,15 +15230,7 @@
                             <a:srgbClr val="332B60"/>
                           </a:solidFill>
                         </a:rPr>
-                        <a:t> </a:t>
-                      </a:r>
-                      <a:r>
-                        <a:rPr lang="et-EE" baseline="0" dirty="0" smtClean="0">
-                          <a:solidFill>
-                            <a:srgbClr val="332B60"/>
-                          </a:solidFill>
-                        </a:rPr>
-                        <a:t>alamtüüpidena</a:t>
+                        <a:t> alamtüüpidena</a:t>
                       </a:r>
                       <a:endParaRPr lang="et-EE" dirty="0">
                         <a:solidFill>
@@ -15785,7 +15692,7 @@
         </p:nvSpPr>
         <p:spPr>
           <a:xfrm>
-            <a:off x="2171699" y="1378137"/>
+            <a:off x="2171699" y="1274620"/>
             <a:ext cx="8802242" cy="4140200"/>
           </a:xfrm>
         </p:spPr>
@@ -15794,9 +15701,9 @@
           <a:lstStyle/>
           <a:p>
             <a:pPr marL="0" indent="0">
-              <a:spcAft>
-                <a:spcPts val="600"/>
-              </a:spcAft>
+              <a:lnSpc>
+                <a:spcPct val="110000"/>
+              </a:lnSpc>
               <a:buNone/>
             </a:pPr>
             <a:r>
@@ -15814,9 +15721,9 @@
           </a:p>
           <a:p>
             <a:pPr>
-              <a:spcAft>
-                <a:spcPts val="600"/>
-              </a:spcAft>
+              <a:lnSpc>
+                <a:spcPct val="110000"/>
+              </a:lnSpc>
             </a:pPr>
             <a:r>
               <a:rPr lang="et-EE" sz="2000" dirty="0" smtClean="0"/>
@@ -15825,9 +15732,9 @@
           </a:p>
           <a:p>
             <a:pPr>
-              <a:spcAft>
-                <a:spcPts val="600"/>
-              </a:spcAft>
+              <a:lnSpc>
+                <a:spcPct val="110000"/>
+              </a:lnSpc>
             </a:pPr>
             <a:r>
               <a:rPr lang="et-EE" sz="2000" dirty="0" smtClean="0"/>
@@ -15836,9 +15743,9 @@
           </a:p>
           <a:p>
             <a:pPr>
-              <a:spcAft>
-                <a:spcPts val="600"/>
-              </a:spcAft>
+              <a:lnSpc>
+                <a:spcPct val="110000"/>
+              </a:lnSpc>
             </a:pPr>
             <a:r>
               <a:rPr lang="et-EE" sz="2000" dirty="0" smtClean="0"/>
@@ -15847,8 +15754,11 @@
           </a:p>
           <a:p>
             <a:pPr lvl="1">
+              <a:lnSpc>
+                <a:spcPct val="110000"/>
+              </a:lnSpc>
               <a:spcAft>
-                <a:spcPts val="600"/>
+                <a:spcPts val="0"/>
               </a:spcAft>
             </a:pPr>
             <a:r>
@@ -15858,8 +15768,11 @@
           </a:p>
           <a:p>
             <a:pPr lvl="1">
+              <a:lnSpc>
+                <a:spcPct val="110000"/>
+              </a:lnSpc>
               <a:spcAft>
-                <a:spcPts val="600"/>
+                <a:spcPts val="0"/>
               </a:spcAft>
             </a:pPr>
             <a:r>
@@ -15954,9 +15867,9 @@
           <a:lstStyle/>
           <a:p>
             <a:pPr marL="0" indent="0">
-              <a:spcAft>
-                <a:spcPts val="600"/>
-              </a:spcAft>
+              <a:lnSpc>
+                <a:spcPct val="120000"/>
+              </a:lnSpc>
               <a:buNone/>
             </a:pPr>
             <a:r>
@@ -15970,9 +15883,9 @@
           </a:p>
           <a:p>
             <a:pPr>
-              <a:spcAft>
-                <a:spcPts val="600"/>
-              </a:spcAft>
+              <a:lnSpc>
+                <a:spcPct val="120000"/>
+              </a:lnSpc>
             </a:pPr>
             <a:r>
               <a:rPr lang="et-EE" sz="2000" dirty="0" smtClean="0"/>
@@ -15981,8 +15894,11 @@
           </a:p>
           <a:p>
             <a:pPr lvl="1">
+              <a:lnSpc>
+                <a:spcPct val="120000"/>
+              </a:lnSpc>
               <a:spcAft>
-                <a:spcPts val="600"/>
+                <a:spcPts val="0"/>
               </a:spcAft>
             </a:pPr>
             <a:r>
@@ -15992,28 +15908,20 @@
           </a:p>
           <a:p>
             <a:pPr>
-              <a:spcAft>
-                <a:spcPts val="600"/>
-              </a:spcAft>
+              <a:lnSpc>
+                <a:spcPct val="120000"/>
+              </a:lnSpc>
             </a:pPr>
             <a:r>
               <a:rPr lang="et-EE" sz="2000" dirty="0" smtClean="0"/>
-              <a:t>Autorid </a:t>
-            </a:r>
-            <a:r>
-              <a:rPr lang="et-EE" sz="2000" dirty="0" smtClean="0"/>
-              <a:t>soovitavad </a:t>
-            </a:r>
-            <a:r>
-              <a:rPr lang="et-EE" sz="2000" dirty="0" smtClean="0"/>
-              <a:t>kasutada vähemalt 25-30 punktist koosnevat andmehulka leidmaks võimalike vigu või kõrvalekaldeid.</a:t>
+              <a:t>Autorid soovitavad kasutada vähemalt 25-30 punktist koosnevat andmehulka leidmaks võimalike vigu või kõrvalekaldeid.</a:t>
             </a:r>
           </a:p>
           <a:p>
             <a:pPr>
-              <a:spcAft>
-                <a:spcPts val="600"/>
-              </a:spcAft>
+              <a:lnSpc>
+                <a:spcPct val="120000"/>
+              </a:lnSpc>
             </a:pPr>
             <a:r>
               <a:rPr lang="et-EE" sz="2000" dirty="0" smtClean="0"/>
@@ -16103,6 +16011,11 @@
           <a:bodyPr/>
           <a:lstStyle/>
           <a:p>
+            <a:pPr>
+              <a:lnSpc>
+                <a:spcPct val="120000"/>
+              </a:lnSpc>
+            </a:pPr>
             <a:r>
               <a:rPr lang="et-EE" sz="2000" dirty="0" smtClean="0"/>
               <a:t>Lisaks </a:t>
@@ -16133,13 +16046,13 @@
           <p:nvPr>
             <p:extLst>
               <p:ext uri="{D42A27DB-BD31-4B8C-83A1-F6EECF244321}">
-                <p14:modId xmlns:p14="http://schemas.microsoft.com/office/powerpoint/2010/main" val="4276453065"/>
+                <p14:modId xmlns:p14="http://schemas.microsoft.com/office/powerpoint/2010/main" val="398714851"/>
               </p:ext>
             </p:extLst>
           </p:nvPr>
         </p:nvGraphicFramePr>
         <p:xfrm>
-          <a:off x="2078966" y="2436321"/>
+          <a:off x="2242360" y="2686487"/>
           <a:ext cx="8660921" cy="2299580"/>
         </p:xfrm>
         <a:graphic>
@@ -16601,24 +16514,25 @@
             <p:ph type="body" sz="quarter" idx="14"/>
           </p:nvPr>
         </p:nvSpPr>
-        <p:spPr/>
+        <p:spPr>
+          <a:xfrm>
+            <a:off x="2171700" y="1186018"/>
+            <a:ext cx="8802242" cy="4140200"/>
+          </a:xfrm>
+        </p:spPr>
         <p:txBody>
           <a:bodyPr/>
           <a:lstStyle/>
           <a:p>
             <a:pPr marL="0" indent="0">
-              <a:spcAft>
-                <a:spcPts val="600"/>
-              </a:spcAft>
+              <a:lnSpc>
+                <a:spcPct val="120000"/>
+              </a:lnSpc>
               <a:buNone/>
             </a:pPr>
             <a:r>
               <a:rPr lang="et-EE" sz="2000" b="1" dirty="0" smtClean="0"/>
-              <a:t>Tunnistan tehtud </a:t>
-            </a:r>
-            <a:r>
-              <a:rPr lang="et-EE" sz="2000" b="1" dirty="0" smtClean="0"/>
-              <a:t>kirjavigu</a:t>
+              <a:t>Tunnistan tehtud kirjavigu</a:t>
             </a:r>
             <a:r>
               <a:rPr lang="et-EE" sz="2000" dirty="0" smtClean="0"/>
@@ -16627,9 +16541,9 @@
           </a:p>
           <a:p>
             <a:pPr marL="0" indent="0">
-              <a:spcAft>
-                <a:spcPts val="600"/>
-              </a:spcAft>
+              <a:lnSpc>
+                <a:spcPct val="120000"/>
+              </a:lnSpc>
               <a:buNone/>
             </a:pPr>
             <a:r>
@@ -16648,29 +16562,23 @@
               <a:rPr lang="et-EE" sz="2000" dirty="0" smtClean="0"/>
               <a:t>on järgnevad.</a:t>
             </a:r>
-            <a:endParaRPr lang="et-EE" sz="2000" dirty="0" smtClean="0"/>
           </a:p>
           <a:p>
             <a:pPr>
-              <a:spcAft>
-                <a:spcPts val="600"/>
-              </a:spcAft>
+              <a:lnSpc>
+                <a:spcPct val="120000"/>
+              </a:lnSpc>
             </a:pPr>
             <a:r>
               <a:rPr lang="et-EE" sz="2000" dirty="0" smtClean="0"/>
-              <a:t>Soovisin tähelepanu pöörata oma isiklikule panusele antud </a:t>
-            </a:r>
-            <a:r>
-              <a:rPr lang="et-EE" sz="2000" dirty="0" smtClean="0"/>
-              <a:t>töös.</a:t>
-            </a:r>
-            <a:endParaRPr lang="et-EE" sz="2000" dirty="0" smtClean="0"/>
+              <a:t>Soovisin tähelepanu pöörata oma isiklikule panusele antud töös.</a:t>
+            </a:r>
           </a:p>
           <a:p>
             <a:pPr>
-              <a:spcAft>
-                <a:spcPts val="600"/>
-              </a:spcAft>
+              <a:lnSpc>
+                <a:spcPct val="120000"/>
+              </a:lnSpc>
             </a:pPr>
             <a:r>
               <a:rPr lang="et-EE" sz="2000" dirty="0" smtClean="0"/>
@@ -16678,53 +16586,39 @@
             </a:r>
             <a:r>
               <a:rPr lang="et-EE" sz="2000" dirty="0" smtClean="0"/>
-              <a:t>kirjastiili.</a:t>
+              <a:t>nende vormide kasutamist</a:t>
             </a:r>
             <a:endParaRPr lang="et-EE" sz="2000" dirty="0" smtClean="0"/>
           </a:p>
           <a:p>
             <a:pPr>
-              <a:spcAft>
-                <a:spcPts val="600"/>
-              </a:spcAft>
+              <a:lnSpc>
+                <a:spcPct val="120000"/>
+              </a:lnSpc>
             </a:pPr>
             <a:r>
               <a:rPr lang="et-EE" sz="2000" dirty="0" smtClean="0"/>
-              <a:t>Kaudset kõnet hakati kasutama eemaldamaks lugejas tunnet, et tegemist on </a:t>
+              <a:t>Kaudset kõnet hakati </a:t>
             </a:r>
             <a:r>
               <a:rPr lang="et-EE" sz="2000" dirty="0" smtClean="0"/>
-              <a:t>autori</a:t>
+              <a:t>kasutama selleks, et lugejal ei tekiks tunnet nagu oleks tegemist autori </a:t>
             </a:r>
             <a:r>
               <a:rPr lang="et-EE" sz="2000" dirty="0" smtClean="0"/>
-              <a:t> </a:t>
-            </a:r>
+              <a:t>isiklike arvamustega, mis ei põhine teaduslikel tõestustel.</a:t>
+            </a:r>
+          </a:p>
+          <a:p>
+            <a:pPr>
+              <a:lnSpc>
+                <a:spcPct val="120000"/>
+              </a:lnSpc>
+            </a:pPr>
             <a:r>
               <a:rPr lang="et-EE" sz="2000" dirty="0" smtClean="0"/>
-              <a:t>isiklike arvamustega, mis ei põhine teaduslikel </a:t>
-            </a:r>
-            <a:r>
-              <a:rPr lang="et-EE" sz="2000" dirty="0" smtClean="0"/>
-              <a:t>tõestustel.</a:t>
-            </a:r>
-            <a:endParaRPr lang="et-EE" sz="2000" dirty="0" smtClean="0"/>
-          </a:p>
-          <a:p>
-            <a:pPr>
-              <a:spcAft>
-                <a:spcPts val="600"/>
-              </a:spcAft>
-            </a:pPr>
-            <a:r>
-              <a:rPr lang="et-EE" sz="2000" dirty="0" smtClean="0"/>
-              <a:t>Otsese kõne kasutamine on vastuvõetavam praktilise suunitlusega teadustöödes, sest ilma autori poolsete tulemuste põhjendusteta võib lugejale tekkida kahtlus töö teadusliku täpsuse </a:t>
-            </a:r>
-            <a:r>
-              <a:rPr lang="et-EE" sz="2000" dirty="0" smtClean="0"/>
-              <a:t>osas.</a:t>
-            </a:r>
-            <a:endParaRPr lang="et-EE" sz="2000" dirty="0" smtClean="0"/>
+              <a:t>Otsese kõne kasutamine on vastuvõetavam praktilise suunitlusega teadustöödes, sest ilma autori poolsete tulemuste põhjendusteta võib lugejale tekkida kahtlus töö teadusliku täpsuse osas.</a:t>
+            </a:r>
           </a:p>
         </p:txBody>
       </p:sp>
@@ -16815,7 +16709,7 @@
         </p:nvSpPr>
         <p:spPr>
           <a:xfrm>
-            <a:off x="2153792" y="1628776"/>
+            <a:off x="2165590" y="1352047"/>
             <a:ext cx="8808352" cy="3857624"/>
           </a:xfrm>
           <a:prstGeom prst="rect">
@@ -16828,11 +16722,8 @@
           <a:p>
             <a:pPr>
               <a:lnSpc>
-                <a:spcPct val="100000"/>
-              </a:lnSpc>
-              <a:spcAft>
-                <a:spcPts val="600"/>
-              </a:spcAft>
+                <a:spcPct val="120000"/>
+              </a:lnSpc>
             </a:pPr>
             <a:r>
               <a:rPr lang="et-EE" altLang="en-US" sz="2000" b="1" dirty="0" smtClean="0">
@@ -16846,19 +16737,12 @@
           <a:p>
             <a:pPr>
               <a:lnSpc>
-                <a:spcPct val="100000"/>
-              </a:lnSpc>
-              <a:spcAft>
-                <a:spcPts val="600"/>
-              </a:spcAft>
+                <a:spcPct val="120000"/>
+              </a:lnSpc>
             </a:pPr>
             <a:r>
               <a:rPr lang="et-EE" altLang="en-US" sz="2000" dirty="0" smtClean="0"/>
-              <a:t>Selgitada välja</a:t>
-            </a:r>
-            <a:r>
-              <a:rPr lang="et-EE" altLang="en-US" sz="2000" dirty="0" smtClean="0"/>
-              <a:t> </a:t>
+              <a:t>Selgitada välja </a:t>
             </a:r>
             <a:r>
               <a:rPr lang="et-EE" altLang="en-US" sz="2000" dirty="0"/>
@@ -16868,11 +16752,8 @@
           <a:p>
             <a:pPr>
               <a:lnSpc>
-                <a:spcPct val="100000"/>
-              </a:lnSpc>
-              <a:spcAft>
-                <a:spcPts val="600"/>
-              </a:spcAft>
+                <a:spcPct val="120000"/>
+              </a:lnSpc>
             </a:pPr>
             <a:endParaRPr lang="et-EE" altLang="en-US" sz="2000" b="1" dirty="0" smtClean="0">
               <a:solidFill>
@@ -16883,11 +16764,8 @@
           <a:p>
             <a:pPr>
               <a:lnSpc>
-                <a:spcPct val="100000"/>
-              </a:lnSpc>
-              <a:spcAft>
-                <a:spcPts val="600"/>
-              </a:spcAft>
+                <a:spcPct val="120000"/>
+              </a:lnSpc>
             </a:pPr>
             <a:r>
               <a:rPr lang="et-EE" altLang="en-US" sz="2000" b="1" dirty="0" smtClean="0"/>
@@ -16897,11 +16775,8 @@
           <a:p>
             <a:pPr>
               <a:lnSpc>
-                <a:spcPct val="100000"/>
-              </a:lnSpc>
-              <a:spcAft>
-                <a:spcPts val="600"/>
-              </a:spcAft>
+                <a:spcPct val="120000"/>
+              </a:lnSpc>
             </a:pPr>
             <a:r>
               <a:rPr lang="et-EE" altLang="en-US" sz="2000" dirty="0" smtClean="0">
@@ -17031,7 +16906,7 @@
         </p:nvSpPr>
         <p:spPr>
           <a:xfrm>
-            <a:off x="2102185" y="1352047"/>
+            <a:off x="2102185" y="1145212"/>
             <a:ext cx="8790444" cy="413669"/>
           </a:xfrm>
         </p:spPr>
@@ -17040,9 +16915,9 @@
           <a:lstStyle/>
           <a:p>
             <a:pPr>
-              <a:spcAft>
-                <a:spcPts val="600"/>
-              </a:spcAft>
+              <a:lnSpc>
+                <a:spcPct val="120000"/>
+              </a:lnSpc>
             </a:pPr>
             <a:r>
               <a:rPr lang="et-EE" sz="2000" dirty="0" smtClean="0"/>
@@ -17062,34 +16937,26 @@
             </a:r>
             <a:r>
               <a:rPr lang="et-EE" sz="2000" dirty="0" smtClean="0"/>
-              <a:t>), milles esitatud tehniliste lahenduste headust hindasin praktiliste </a:t>
-            </a:r>
-            <a:r>
-              <a:rPr lang="et-EE" sz="2000" dirty="0" smtClean="0"/>
-              <a:t>katsetustega.</a:t>
+              <a:t>), milles esitatud tehniliste lahenduste headust hindasin praktiliste katsetustega.</a:t>
             </a:r>
             <a:endParaRPr lang="et-EE" sz="2000" dirty="0"/>
           </a:p>
           <a:p>
             <a:pPr>
-              <a:spcAft>
-                <a:spcPts val="600"/>
-              </a:spcAft>
+              <a:lnSpc>
+                <a:spcPct val="120000"/>
+              </a:lnSpc>
             </a:pPr>
             <a:r>
               <a:rPr lang="et-EE" sz="2000" b="1" dirty="0" smtClean="0"/>
-              <a:t>Täidetud </a:t>
-            </a:r>
-            <a:r>
-              <a:rPr lang="et-EE" sz="2000" b="1" dirty="0" smtClean="0"/>
-              <a:t>ülesanded</a:t>
+              <a:t>Täidetud ülesanded</a:t>
             </a:r>
           </a:p>
           <a:p>
             <a:pPr marL="285750" indent="-285750">
-              <a:spcAft>
-                <a:spcPts val="600"/>
-              </a:spcAft>
+              <a:lnSpc>
+                <a:spcPct val="120000"/>
+              </a:lnSpc>
               <a:buClr>
                 <a:srgbClr val="E4067E"/>
               </a:buClr>
@@ -17098,14 +16965,22 @@
             </a:pPr>
             <a:r>
               <a:rPr lang="et-EE" sz="2000" dirty="0" smtClean="0"/>
-              <a:t>Leidsin ning analüüsisin erinevates allikates pakutuvaid lahendusi.</a:t>
+              <a:t>Leidsin ning analüüsisin erinevates allikates </a:t>
+            </a:r>
+            <a:r>
+              <a:rPr lang="et-EE" sz="2000" dirty="0" smtClean="0"/>
+              <a:t>pakutavaid </a:t>
+            </a:r>
+            <a:r>
+              <a:rPr lang="et-EE" sz="2000" dirty="0" smtClean="0"/>
+              <a:t>lahendusi.</a:t>
             </a:r>
           </a:p>
           <a:p>
             <a:pPr marL="285750" indent="-285750">
-              <a:spcAft>
-                <a:spcPts val="600"/>
-              </a:spcAft>
+              <a:lnSpc>
+                <a:spcPct val="120000"/>
+              </a:lnSpc>
               <a:buClr>
                 <a:srgbClr val="E4067E"/>
               </a:buClr>
@@ -17114,14 +16989,22 @@
             </a:pPr>
             <a:r>
               <a:rPr lang="et-EE" sz="2000" dirty="0"/>
-              <a:t>Koostasin ülevaate võimalikest disainidest kasutades nende kirjeldamiseks mustrite struktuuri.</a:t>
+              <a:t>Koostasin ülevaate võimalikest </a:t>
+            </a:r>
+            <a:r>
+              <a:rPr lang="et-EE" sz="2000" dirty="0" smtClean="0"/>
+              <a:t>disainidest, </a:t>
+            </a:r>
+            <a:r>
+              <a:rPr lang="et-EE" sz="2000" dirty="0"/>
+              <a:t>kasutades nende kirjeldamiseks mustrite struktuuri.</a:t>
             </a:r>
           </a:p>
           <a:p>
             <a:pPr marL="285750" indent="-285750">
-              <a:spcAft>
-                <a:spcPts val="600"/>
-              </a:spcAft>
+              <a:lnSpc>
+                <a:spcPct val="120000"/>
+              </a:lnSpc>
               <a:buClr>
                 <a:srgbClr val="E4067E"/>
               </a:buClr>
@@ -17143,9 +17026,9 @@
           </a:p>
           <a:p>
             <a:pPr marL="285750" indent="-285750">
-              <a:spcAft>
-                <a:spcPts val="600"/>
-              </a:spcAft>
+              <a:lnSpc>
+                <a:spcPct val="120000"/>
+              </a:lnSpc>
               <a:buClr>
                 <a:srgbClr val="E4067E"/>
               </a:buClr>
@@ -17293,17 +17176,13 @@
           <a:lstStyle/>
           <a:p>
             <a:pPr>
-              <a:spcAft>
-                <a:spcPts val="600"/>
-              </a:spcAft>
+              <a:lnSpc>
+                <a:spcPct val="120000"/>
+              </a:lnSpc>
             </a:pPr>
             <a:r>
               <a:rPr lang="et-EE" sz="2000" b="1" dirty="0" smtClean="0"/>
-              <a:t>Puuduvad </a:t>
-            </a:r>
-            <a:r>
-              <a:rPr lang="et-EE" sz="2000" b="1" dirty="0" smtClean="0"/>
-              <a:t>allikad</a:t>
+              <a:t>Puuduvad allikad</a:t>
             </a:r>
             <a:r>
               <a:rPr lang="et-EE" sz="2000" dirty="0" smtClean="0"/>
@@ -17312,9 +17191,9 @@
           </a:p>
           <a:p>
             <a:pPr>
-              <a:spcAft>
-                <a:spcPts val="600"/>
-              </a:spcAft>
+              <a:lnSpc>
+                <a:spcPct val="120000"/>
+              </a:lnSpc>
             </a:pPr>
             <a:r>
               <a:rPr lang="et-EE" sz="2000" b="1" dirty="0"/>
@@ -17331,9 +17210,9 @@
           </a:p>
           <a:p>
             <a:pPr>
-              <a:spcAft>
-                <a:spcPts val="600"/>
-              </a:spcAft>
+              <a:lnSpc>
+                <a:spcPct val="120000"/>
+              </a:lnSpc>
             </a:pPr>
             <a:r>
               <a:rPr lang="et-EE" sz="2000" dirty="0"/>
@@ -17346,9 +17225,9 @@
           </a:p>
           <a:p>
             <a:pPr>
-              <a:spcAft>
-                <a:spcPts val="600"/>
-              </a:spcAft>
+              <a:lnSpc>
+                <a:spcPct val="120000"/>
+              </a:lnSpc>
             </a:pPr>
             <a:r>
               <a:rPr lang="et-EE" sz="2000" dirty="0" smtClean="0"/>
@@ -17481,7 +17360,7 @@
         </p:nvSpPr>
         <p:spPr>
           <a:xfrm>
-            <a:off x="2171699" y="1364061"/>
+            <a:off x="2171699" y="1269170"/>
             <a:ext cx="8802242" cy="4140200"/>
           </a:xfrm>
         </p:spPr>
@@ -17490,9 +17369,9 @@
           <a:lstStyle/>
           <a:p>
             <a:pPr marL="0" indent="0">
-              <a:spcAft>
-                <a:spcPts val="600"/>
-              </a:spcAft>
+              <a:lnSpc>
+                <a:spcPct val="120000"/>
+              </a:lnSpc>
               <a:buNone/>
             </a:pPr>
             <a:r>
@@ -17501,18 +17380,14 @@
             </a:r>
             <a:r>
               <a:rPr lang="et-EE" sz="2000" dirty="0" smtClean="0"/>
-              <a:t>teaduskirjanduse hulgast palju neid teoseid, kus oleks esitatud korraga rohkem kui üks võimalik disain</a:t>
-            </a:r>
-            <a:r>
-              <a:rPr lang="et-EE" sz="2000" dirty="0"/>
-              <a:t>.</a:t>
+              <a:t>teaduskirjanduse hulgast palju neid teoseid, kus oleks esitatud korraga rohkem kui üks võimalik disain.</a:t>
             </a:r>
           </a:p>
           <a:p>
             <a:pPr marL="0" indent="0">
-              <a:spcAft>
-                <a:spcPts val="600"/>
-              </a:spcAft>
+              <a:lnSpc>
+                <a:spcPct val="120000"/>
+              </a:lnSpc>
               <a:buNone/>
             </a:pPr>
             <a:r>
@@ -17522,9 +17397,9 @@
           </a:p>
           <a:p>
             <a:pPr>
-              <a:spcAft>
-                <a:spcPts val="600"/>
-              </a:spcAft>
+              <a:lnSpc>
+                <a:spcPct val="120000"/>
+              </a:lnSpc>
             </a:pPr>
             <a:r>
               <a:rPr lang="et-EE" sz="2000" dirty="0" smtClean="0"/>
@@ -17533,28 +17408,23 @@
           </a:p>
           <a:p>
             <a:pPr lvl="1">
+              <a:lnSpc>
+                <a:spcPct val="120000"/>
+              </a:lnSpc>
               <a:spcAft>
-                <a:spcPts val="600"/>
+                <a:spcPts val="0"/>
               </a:spcAft>
             </a:pPr>
             <a:r>
               <a:rPr lang="et-EE" sz="2000" dirty="0" smtClean="0"/>
-              <a:t>Kolmandas </a:t>
-            </a:r>
-            <a:r>
-              <a:rPr lang="et-EE" sz="2000" dirty="0"/>
-              <a:t>teoses on pühendatud eraldi peatükk olemite </a:t>
-            </a:r>
-            <a:r>
-              <a:rPr lang="et-EE" sz="2000" dirty="0" smtClean="0"/>
-              <a:t>seisunditele.</a:t>
+              <a:t>Kolmandas osas on pühendatud eraldi peatükk olemite seisunditele.</a:t>
             </a:r>
           </a:p>
           <a:p>
             <a:pPr>
-              <a:spcAft>
-                <a:spcPts val="600"/>
-              </a:spcAft>
+              <a:lnSpc>
+                <a:spcPct val="120000"/>
+              </a:lnSpc>
             </a:pPr>
             <a:r>
               <a:rPr lang="et-EE" sz="2000" dirty="0" smtClean="0"/>
@@ -17563,47 +17433,35 @@
           </a:p>
           <a:p>
             <a:pPr>
-              <a:spcAft>
-                <a:spcPts val="600"/>
-              </a:spcAft>
+              <a:lnSpc>
+                <a:spcPct val="120000"/>
+              </a:lnSpc>
             </a:pPr>
             <a:r>
               <a:rPr lang="et-EE" sz="2000" dirty="0" smtClean="0"/>
-              <a:t>Erki </a:t>
-            </a:r>
+              <a:t>Erki Eessaar õppematerjal „Mustrid“,</a:t>
+            </a:r>
+          </a:p>
+          <a:p>
+            <a:pPr>
+              <a:lnSpc>
+                <a:spcPct val="120000"/>
+              </a:lnSpc>
+            </a:pPr>
             <a:r>
               <a:rPr lang="et-EE" sz="2000" dirty="0" smtClean="0"/>
-              <a:t>Eessaar õppematerjal „Mustrid“,</a:t>
+              <a:t>erinevad magistritööd ja bakalaureusetööd,</a:t>
             </a:r>
           </a:p>
           <a:p>
             <a:pPr>
-              <a:spcAft>
-                <a:spcPts val="600"/>
-              </a:spcAft>
-            </a:pPr>
-            <a:r>
-              <a:rPr lang="et-EE" sz="2000" dirty="0"/>
-              <a:t>e</a:t>
-            </a:r>
+              <a:lnSpc>
+                <a:spcPct val="120000"/>
+              </a:lnSpc>
+            </a:pPr>
             <a:r>
               <a:rPr lang="et-EE" sz="2000" dirty="0" smtClean="0"/>
-              <a:t>rinevad magistritööd ja bakalaureusetööd,</a:t>
-            </a:r>
-          </a:p>
-          <a:p>
-            <a:pPr>
-              <a:spcAft>
-                <a:spcPts val="600"/>
-              </a:spcAft>
-            </a:pPr>
-            <a:r>
-              <a:rPr lang="et-EE" sz="2000" dirty="0"/>
-              <a:t>a</a:t>
-            </a:r>
-            <a:r>
-              <a:rPr lang="et-EE" sz="2000" dirty="0" smtClean="0"/>
-              <a:t>rendajate foorumite sissekanded.</a:t>
+              <a:t>arendajate foorumite sissekanded.</a:t>
             </a:r>
           </a:p>
           <a:p>
@@ -17743,7 +17601,7 @@
         </p:nvSpPr>
         <p:spPr>
           <a:xfrm>
-            <a:off x="2171699" y="1360163"/>
+            <a:off x="2171699" y="1179009"/>
             <a:ext cx="8802242" cy="4140200"/>
           </a:xfrm>
         </p:spPr>
@@ -17752,6 +17610,9 @@
           <a:lstStyle/>
           <a:p>
             <a:pPr>
+              <a:lnSpc>
+                <a:spcPct val="110000"/>
+              </a:lnSpc>
               <a:spcAft>
                 <a:spcPts val="600"/>
               </a:spcAft>
@@ -17771,33 +17632,42 @@
           </a:p>
           <a:p>
             <a:pPr lvl="1">
+              <a:lnSpc>
+                <a:spcPct val="110000"/>
+              </a:lnSpc>
               <a:spcAft>
                 <a:spcPts val="600"/>
               </a:spcAft>
             </a:pPr>
             <a:r>
               <a:rPr lang="et-EE" sz="2000" i="1" dirty="0" smtClean="0"/>
-              <a:t>Ei nimeta neid mustriteks enne kui on läbiviidud eksperiment</a:t>
-            </a:r>
-            <a:r>
-              <a:rPr lang="et-EE" sz="2000" i="1" dirty="0" smtClean="0"/>
-              <a:t>.</a:t>
-            </a:r>
-            <a:endParaRPr lang="et-EE" sz="2000" i="1" dirty="0" smtClean="0"/>
+              <a:t>Ei nimeta neid mustriteks enne kui on läbiviidud eksperiment.</a:t>
+            </a:r>
           </a:p>
           <a:p>
             <a:pPr>
+              <a:lnSpc>
+                <a:spcPct val="110000"/>
+              </a:lnSpc>
               <a:spcAft>
                 <a:spcPts val="600"/>
               </a:spcAft>
             </a:pPr>
             <a:r>
               <a:rPr lang="et-EE" sz="2000" dirty="0" smtClean="0"/>
-              <a:t>Esitab </a:t>
+              <a:t>Pakub</a:t>
+            </a:r>
+            <a:r>
+              <a:rPr lang="et-EE" sz="2000" dirty="0" smtClean="0"/>
+              <a:t> </a:t>
             </a:r>
             <a:r>
               <a:rPr lang="et-EE" sz="2000" b="1" dirty="0" smtClean="0"/>
-              <a:t>kuute põhilahendust </a:t>
+              <a:t>kuus </a:t>
+            </a:r>
+            <a:r>
+              <a:rPr lang="et-EE" sz="2000" b="1" dirty="0" smtClean="0"/>
+              <a:t>põhilahendust </a:t>
             </a:r>
             <a:r>
               <a:rPr lang="et-EE" sz="2000" dirty="0" smtClean="0"/>
@@ -17806,6 +17676,9 @@
           </a:p>
           <a:p>
             <a:pPr lvl="1">
+              <a:lnSpc>
+                <a:spcPct val="110000"/>
+              </a:lnSpc>
               <a:spcAft>
                 <a:spcPts val="600"/>
               </a:spcAft>
@@ -17821,6 +17694,9 @@
           </a:p>
           <a:p>
             <a:pPr lvl="1">
+              <a:lnSpc>
+                <a:spcPct val="110000"/>
+              </a:lnSpc>
               <a:spcAft>
                 <a:spcPts val="600"/>
               </a:spcAft>
@@ -17836,6 +17712,9 @@
           </a:p>
           <a:p>
             <a:pPr lvl="1">
+              <a:lnSpc>
+                <a:spcPct val="110000"/>
+              </a:lnSpc>
               <a:spcAft>
                 <a:spcPts val="600"/>
               </a:spcAft>
@@ -17851,6 +17730,9 @@
           </a:p>
           <a:p>
             <a:pPr lvl="1">
+              <a:lnSpc>
+                <a:spcPct val="110000"/>
+              </a:lnSpc>
               <a:spcAft>
                 <a:spcPts val="600"/>
               </a:spcAft>
@@ -17866,6 +17748,9 @@
           </a:p>
           <a:p>
             <a:pPr lvl="1">
+              <a:lnSpc>
+                <a:spcPct val="110000"/>
+              </a:lnSpc>
               <a:spcAft>
                 <a:spcPts val="600"/>
               </a:spcAft>
@@ -17881,18 +17766,22 @@
           </a:p>
           <a:p>
             <a:pPr lvl="1">
+              <a:lnSpc>
+                <a:spcPct val="110000"/>
+              </a:lnSpc>
               <a:spcAft>
                 <a:spcPts val="600"/>
               </a:spcAft>
             </a:pPr>
             <a:r>
               <a:rPr lang="et-EE" sz="2000" i="1" dirty="0" smtClean="0"/>
-              <a:t>Seisundite tuletamine olemite ja seoste kohta registreeritud andmetest</a:t>
-            </a:r>
-            <a:r>
-              <a:rPr lang="et-EE" sz="2000" dirty="0" smtClean="0"/>
-              <a:t>.</a:t>
-            </a:r>
+              <a:t>Seisundite tuletamine olemite ja seoste </a:t>
+            </a:r>
+            <a:r>
+              <a:rPr lang="et-EE" sz="2000" i="1" dirty="0" smtClean="0"/>
+              <a:t>kohta</a:t>
+            </a:r>
+            <a:endParaRPr lang="et-EE" sz="2000" dirty="0" smtClean="0"/>
           </a:p>
         </p:txBody>
       </p:sp>
@@ -18012,6 +17901,9 @@
           <a:lstStyle/>
           <a:p>
             <a:pPr>
+              <a:lnSpc>
+                <a:spcPct val="120000"/>
+              </a:lnSpc>
               <a:spcAft>
                 <a:spcPts val="600"/>
               </a:spcAft>
@@ -18043,6 +17935,9 @@
           </a:p>
           <a:p>
             <a:pPr>
+              <a:lnSpc>
+                <a:spcPct val="120000"/>
+              </a:lnSpc>
               <a:spcAft>
                 <a:spcPts val="600"/>
               </a:spcAft>
@@ -18053,11 +17948,22 @@
             </a:r>
             <a:r>
               <a:rPr lang="et-EE" sz="2000" dirty="0"/>
-              <a:t>lisaks iga disaini lahenduse sobivust äriprotsessidest tulenevatele üldtuntud nõuetele.</a:t>
+              <a:t>lisaks iga disaini </a:t>
+            </a:r>
+            <a:r>
+              <a:rPr lang="et-EE" sz="2000" dirty="0" smtClean="0"/>
+              <a:t>sobivust </a:t>
+            </a:r>
+            <a:r>
+              <a:rPr lang="et-EE" sz="2000" dirty="0"/>
+              <a:t>äriprotsessidest tulenevatele üldtuntud nõuetele.</a:t>
             </a:r>
           </a:p>
           <a:p>
             <a:pPr>
+              <a:lnSpc>
+                <a:spcPct val="120000"/>
+              </a:lnSpc>
               <a:spcAft>
                 <a:spcPts val="600"/>
               </a:spcAft>

--- a/Ettekanne/Esitlus_Infosüsteemi_põhiolemite_seisundite_esitamine_SQL-Andmebaasides_Susanna_Peek.pptx
+++ b/Ettekanne/Esitlus_Infosüsteemi_põhiolemite_seisundite_esitamine_SQL-Andmebaasides_Susanna_Peek.pptx
@@ -261,7 +261,6 @@
           </a:p>
         </c:rich>
       </c:tx>
-      <c:layout/>
       <c:overlay val="0"/>
       <c:spPr>
         <a:noFill/>
@@ -771,7 +770,6 @@
               </a:p>
             </c:rich>
           </c:tx>
-          <c:layout/>
           <c:overlay val="0"/>
           <c:spPr>
             <a:noFill/>
@@ -895,7 +893,6 @@
               </a:p>
             </c:rich>
           </c:tx>
-          <c:layout/>
           <c:overlay val="0"/>
           <c:spPr>
             <a:noFill/>
@@ -11463,23 +11460,7 @@
             </a:pPr>
             <a:r>
               <a:rPr lang="et-EE" dirty="0" smtClean="0"/>
-              <a:t>päringute aeglus, </a:t>
-            </a:r>
-            <a:r>
-              <a:rPr lang="et-EE" dirty="0" smtClean="0"/>
-              <a:t>kui tuleb leida </a:t>
-            </a:r>
-            <a:r>
-              <a:rPr lang="et-EE" dirty="0" smtClean="0"/>
-              <a:t>kõikide olemite hetkeseisund, </a:t>
-            </a:r>
-            <a:r>
-              <a:rPr lang="et-EE" dirty="0" smtClean="0"/>
-              <a:t>mis pole ühes kindlas </a:t>
-            </a:r>
-            <a:r>
-              <a:rPr lang="et-EE" dirty="0" smtClean="0"/>
-              <a:t>seisundis,</a:t>
+              <a:t>päringute aeglus, kui tuleb leida kõikide olemite hetkeseisund, mis pole ühes kindlas seisundis,</a:t>
             </a:r>
           </a:p>
           <a:p>
@@ -11492,7 +11473,6 @@
               <a:rPr lang="et-EE" dirty="0" smtClean="0"/>
               <a:t>klassifikaatoritele vastavad välisvõtmete väärtused ei pruugi olla arusaadavad.</a:t>
             </a:r>
-            <a:endParaRPr lang="et-EE" dirty="0" smtClean="0"/>
           </a:p>
         </p:txBody>
       </p:sp>
@@ -13099,11 +13079,7 @@
             </a:pPr>
             <a:r>
               <a:rPr lang="et-EE" sz="2000" b="1" dirty="0" smtClean="0"/>
-              <a:t>Töö </a:t>
-            </a:r>
-            <a:r>
-              <a:rPr lang="et-EE" sz="2000" b="1" dirty="0" smtClean="0"/>
-              <a:t>eesmärk: </a:t>
+              <a:t>Töö eesmärk: </a:t>
             </a:r>
             <a:r>
               <a:rPr lang="et-EE" sz="2000" dirty="0" smtClean="0"/>
@@ -13900,7 +13876,6 @@
               <a:rPr lang="et-EE" sz="2000" dirty="0" smtClean="0"/>
               <a:t>, mitte alampeatükke 4.3-4.8 või jaotist 7. </a:t>
             </a:r>
-            <a:endParaRPr lang="et-EE" sz="2000" dirty="0" smtClean="0"/>
           </a:p>
           <a:p>
             <a:pPr marL="0" indent="0">
@@ -14042,7 +14017,7 @@
           <a:p>
             <a:pPr marL="0" indent="0">
               <a:lnSpc>
-                <a:spcPct val="110000"/>
+                <a:spcPct val="120000"/>
               </a:lnSpc>
               <a:buNone/>
             </a:pPr>
@@ -14062,7 +14037,7 @@
           <a:p>
             <a:pPr marL="0" indent="0">
               <a:lnSpc>
-                <a:spcPct val="110000"/>
+                <a:spcPct val="120000"/>
               </a:lnSpc>
               <a:buNone/>
             </a:pPr>
@@ -14071,7 +14046,7 @@
           <a:p>
             <a:pPr>
               <a:lnSpc>
-                <a:spcPct val="110000"/>
+                <a:spcPct val="120000"/>
               </a:lnSpc>
             </a:pPr>
             <a:r>
@@ -14082,12 +14057,12 @@
           <a:p>
             <a:pPr>
               <a:lnSpc>
-                <a:spcPct val="110000"/>
+                <a:spcPct val="120000"/>
               </a:lnSpc>
             </a:pPr>
             <a:r>
               <a:rPr lang="et-EE" sz="2000" dirty="0" smtClean="0"/>
-              <a:t>Viisin läbi analüüsi leidmaks kõige parema töökiirusega päring igale disainile ja ülesande paarile.</a:t>
+              <a:t>Viisin läbi analüüsi leidmaks kõige parema töökiirusega päringu igale disaini ja ülesande paarile.</a:t>
             </a:r>
             <a:endParaRPr lang="et-EE" sz="2000" dirty="0"/>
           </a:p>
@@ -14170,7 +14145,7 @@
           <a:p>
             <a:pPr marL="0" indent="0">
               <a:lnSpc>
-                <a:spcPct val="110000"/>
+                <a:spcPct val="120000"/>
               </a:lnSpc>
               <a:buNone/>
             </a:pPr>
@@ -15889,7 +15864,7 @@
             </a:pPr>
             <a:r>
               <a:rPr lang="et-EE" sz="2000" dirty="0" smtClean="0"/>
-              <a:t>Soovisin tõestada oma töö tulemusi tuginedes mõnele teaduslikule teoreemile.</a:t>
+              <a:t>Soovisin tõestada oma töö tulemusi tuginedes mõnele tunnustatud meetodile.</a:t>
             </a:r>
           </a:p>
           <a:p>
@@ -16582,31 +16557,18 @@
             </a:pPr>
             <a:r>
               <a:rPr lang="et-EE" sz="2000" dirty="0" smtClean="0"/>
-              <a:t>Lõputöö koostamise ja vormindamise juhend ei täpsusta </a:t>
-            </a:r>
+              <a:t>Lõputöö koostamise ja vormindamise juhend ei täpsusta nende vormide kasutamist.</a:t>
+            </a:r>
+          </a:p>
+          <a:p>
+            <a:pPr>
+              <a:lnSpc>
+                <a:spcPct val="120000"/>
+              </a:lnSpc>
+            </a:pPr>
             <a:r>
               <a:rPr lang="et-EE" sz="2000" dirty="0" smtClean="0"/>
-              <a:t>nende vormide kasutamist</a:t>
-            </a:r>
-            <a:endParaRPr lang="et-EE" sz="2000" dirty="0" smtClean="0"/>
-          </a:p>
-          <a:p>
-            <a:pPr>
-              <a:lnSpc>
-                <a:spcPct val="120000"/>
-              </a:lnSpc>
-            </a:pPr>
-            <a:r>
-              <a:rPr lang="et-EE" sz="2000" dirty="0" smtClean="0"/>
-              <a:t>Kaudset kõnet hakati </a:t>
-            </a:r>
-            <a:r>
-              <a:rPr lang="et-EE" sz="2000" dirty="0" smtClean="0"/>
-              <a:t>kasutama selleks, et lugejal ei tekiks tunnet nagu oleks tegemist autori </a:t>
-            </a:r>
-            <a:r>
-              <a:rPr lang="et-EE" sz="2000" dirty="0" smtClean="0"/>
-              <a:t>isiklike arvamustega, mis ei põhine teaduslikel tõestustel.</a:t>
+              <a:t>Kaudset kõnet hakati kasutama selleks, et lugejal ei tekiks tunnet nagu oleks tegemist autori isiklike arvamustega, mis ei põhine teaduslikel tõestustel.</a:t>
             </a:r>
           </a:p>
           <a:p>
@@ -16965,15 +16927,7 @@
             </a:pPr>
             <a:r>
               <a:rPr lang="et-EE" sz="2000" dirty="0" smtClean="0"/>
-              <a:t>Leidsin ning analüüsisin erinevates allikates </a:t>
-            </a:r>
-            <a:r>
-              <a:rPr lang="et-EE" sz="2000" dirty="0" smtClean="0"/>
-              <a:t>pakutavaid </a:t>
-            </a:r>
-            <a:r>
-              <a:rPr lang="et-EE" sz="2000" dirty="0" smtClean="0"/>
-              <a:t>lahendusi.</a:t>
+              <a:t>Leidsin ning analüüsisin erinevates allikates pakutavaid lahendusi.</a:t>
             </a:r>
           </a:p>
           <a:p>
@@ -17655,19 +17609,11 @@
             </a:pPr>
             <a:r>
               <a:rPr lang="et-EE" sz="2000" dirty="0" smtClean="0"/>
-              <a:t>Pakub</a:t>
-            </a:r>
-            <a:r>
-              <a:rPr lang="et-EE" sz="2000" dirty="0" smtClean="0"/>
-              <a:t> </a:t>
+              <a:t>Pakub </a:t>
             </a:r>
             <a:r>
               <a:rPr lang="et-EE" sz="2000" b="1" dirty="0" smtClean="0"/>
-              <a:t>kuus </a:t>
-            </a:r>
-            <a:r>
-              <a:rPr lang="et-EE" sz="2000" b="1" dirty="0" smtClean="0"/>
-              <a:t>põhilahendust </a:t>
+              <a:t>kuus põhilahendust </a:t>
             </a:r>
             <a:r>
               <a:rPr lang="et-EE" sz="2000" dirty="0" smtClean="0"/>
@@ -17775,11 +17721,7 @@
             </a:pPr>
             <a:r>
               <a:rPr lang="et-EE" sz="2000" i="1" dirty="0" smtClean="0"/>
-              <a:t>Seisundite tuletamine olemite ja seoste </a:t>
-            </a:r>
-            <a:r>
-              <a:rPr lang="et-EE" sz="2000" i="1" dirty="0" smtClean="0"/>
-              <a:t>kohta</a:t>
+              <a:t>Seisundite tuletamine olemite ja seoste kohta</a:t>
             </a:r>
             <a:endParaRPr lang="et-EE" sz="2000" dirty="0" smtClean="0"/>
           </a:p>
